--- a/safeguarding/en/lessons/dealing_disclosure.pptx
+++ b/safeguarding/en/lessons/dealing_disclosure.pptx
@@ -264,7 +264,7 @@
           <a:p>
             <a:fld id="{CD4A716A-96FF-444E-85A3-889DB32D1FBA}" type="datetimeFigureOut">
               <a:rPr lang="ru-RU" smtClean="0"/>
-              <a:t>16.09.2024</a:t>
+              <a:t>19.09.2024</a:t>
             </a:fld>
             <a:endParaRPr lang="ru-RU"/>
           </a:p>
@@ -1434,7 +1434,7 @@
           <a:p>
             <a:fld id="{4507D0C9-DCEA-F448-A25E-CBBFA477327C}" type="datetimeFigureOut">
               <a:rPr lang="ru-RU" smtClean="0"/>
-              <a:t>16.09.2024</a:t>
+              <a:t>19.09.2024</a:t>
             </a:fld>
             <a:endParaRPr lang="ru-RU"/>
           </a:p>
@@ -1547,7 +1547,7 @@
           <a:p>
             <a:fld id="{4507D0C9-DCEA-F448-A25E-CBBFA477327C}" type="datetimeFigureOut">
               <a:rPr lang="ru-RU" smtClean="0"/>
-              <a:t>16.09.2024</a:t>
+              <a:t>19.09.2024</a:t>
             </a:fld>
             <a:endParaRPr lang="ru-RU"/>
           </a:p>
@@ -1795,7 +1795,7 @@
           <a:p>
             <a:fld id="{4507D0C9-DCEA-F448-A25E-CBBFA477327C}" type="datetimeFigureOut">
               <a:rPr lang="ru-RU" smtClean="0"/>
-              <a:t>16.09.2024</a:t>
+              <a:t>19.09.2024</a:t>
             </a:fld>
             <a:endParaRPr lang="ru-RU"/>
           </a:p>
@@ -3114,6 +3114,14 @@
   <p:clrMapOvr>
     <a:masterClrMapping/>
   </p:clrMapOvr>
+  <mc:AlternateContent xmlns:mc="http://schemas.openxmlformats.org/markup-compatibility/2006">
+    <mc:Choice xmlns:p14="http://schemas.microsoft.com/office/powerpoint/2010/main" Requires="p14">
+      <p:transition spd="slow" p14:dur="2000" advClick="0"/>
+    </mc:Choice>
+    <mc:Fallback>
+      <p:transition spd="slow" advClick="0"/>
+    </mc:Fallback>
+  </mc:AlternateContent>
   <p:timing>
     <p:tnLst>
       <p:par>
@@ -3283,6 +3291,14 @@
   <p:clrMapOvr>
     <a:masterClrMapping/>
   </p:clrMapOvr>
+  <mc:AlternateContent xmlns:mc="http://schemas.openxmlformats.org/markup-compatibility/2006">
+    <mc:Choice xmlns:p14="http://schemas.microsoft.com/office/powerpoint/2010/main" Requires="p14">
+      <p:transition spd="slow" p14:dur="2000" advClick="0"/>
+    </mc:Choice>
+    <mc:Fallback>
+      <p:transition spd="slow" advClick="0"/>
+    </mc:Fallback>
+  </mc:AlternateContent>
   <p:timing>
     <p:tnLst>
       <p:par>
@@ -3452,6 +3468,14 @@
   <p:clrMapOvr>
     <a:masterClrMapping/>
   </p:clrMapOvr>
+  <mc:AlternateContent xmlns:mc="http://schemas.openxmlformats.org/markup-compatibility/2006">
+    <mc:Choice xmlns:p14="http://schemas.microsoft.com/office/powerpoint/2010/main" Requires="p14">
+      <p:transition spd="slow" p14:dur="2000" advClick="0"/>
+    </mc:Choice>
+    <mc:Fallback>
+      <p:transition spd="slow" advClick="0"/>
+    </mc:Fallback>
+  </mc:AlternateContent>
   <p:timing>
     <p:tnLst>
       <p:par>
@@ -3674,6 +3698,14 @@
   <p:clrMapOvr>
     <a:masterClrMapping/>
   </p:clrMapOvr>
+  <mc:AlternateContent xmlns:mc="http://schemas.openxmlformats.org/markup-compatibility/2006">
+    <mc:Choice xmlns:p14="http://schemas.microsoft.com/office/powerpoint/2010/main" Requires="p14">
+      <p:transition spd="slow" p14:dur="2000" advClick="0"/>
+    </mc:Choice>
+    <mc:Fallback>
+      <p:transition spd="slow" advClick="0"/>
+    </mc:Fallback>
+  </mc:AlternateContent>
   <p:timing>
     <p:tnLst>
       <p:par>
@@ -3767,13 +3799,7 @@
       </p:pic>
       <p:sp>
         <p:nvSpPr>
-          <p:cNvPr id="5" name="ISPRING_QUIZ_SHAPE0">
-            <a:extLst>
-              <a:ext uri="{FF2B5EF4-FFF2-40B4-BE49-F238E27FC236}">
-                <a16:creationId xmlns:a16="http://schemas.microsoft.com/office/drawing/2014/main" id="{55C4FA0A-14BD-09E2-96E8-E807D689390C}"/>
-              </a:ext>
-            </a:extLst>
-          </p:cNvPr>
+          <p:cNvPr id="3" name="ISPRING_QUIZ_SHAPE0"/>
           <p:cNvSpPr/>
           <p:nvPr/>
         </p:nvSpPr>
@@ -3800,11 +3826,24 @@
               </a:scrgbClr>
             </a:innerShdw>
           </a:effectLst>
+          <a:extLst>
+            <a:ext uri="{91240B29-F687-4F45-9708-019B960494DF}">
+              <a14:hiddenLine xmlns:a14="http://schemas.microsoft.com/office/drawing/2010/main" w="12700" cap="flat" cmpd="sng" algn="ctr">
+                <a:solidFill>
+                  <a:schemeClr val="accent1">
+                    <a:shade val="50000"/>
+                  </a:schemeClr>
+                </a:solidFill>
+                <a:prstDash val="solid"/>
+                <a:miter lim="800000"/>
+              </a14:hiddenLine>
+            </a:ext>
+          </a:extLst>
         </p:spPr>
         <p:style>
           <a:lnRef idx="2">
             <a:schemeClr val="accent1">
-              <a:shade val="15000"/>
+              <a:shade val="50000"/>
             </a:schemeClr>
           </a:lnRef>
           <a:fillRef idx="1">
@@ -3828,20 +3867,20 @@
       </p:sp>
       <p:pic>
         <p:nvPicPr>
-          <p:cNvPr id="11" name="ISPRING_QUIZ_SHAPE1">
-            <a:extLst>
-              <a:ext uri="{FF2B5EF4-FFF2-40B4-BE49-F238E27FC236}">
-                <a16:creationId xmlns:a16="http://schemas.microsoft.com/office/drawing/2014/main" id="{7EECE01E-4B25-15F4-B89B-3DB6033E9508}"/>
-              </a:ext>
-            </a:extLst>
-          </p:cNvPr>
+          <p:cNvPr id="6" name="ISPRING_QUIZ_SHAPE1"/>
           <p:cNvPicPr>
             <a:picLocks/>
           </p:cNvPicPr>
           <p:nvPr/>
         </p:nvPicPr>
         <p:blipFill>
-          <a:blip r:embed="rId7"/>
+          <a:blip r:embed="rId7">
+            <a:extLst>
+              <a:ext uri="{28A0092B-C50C-407E-A947-70E740481C1C}">
+                <a14:useLocalDpi xmlns:a14="http://schemas.microsoft.com/office/drawing/2010/main" val="0"/>
+              </a:ext>
+            </a:extLst>
+          </a:blip>
           <a:srcRect/>
           <a:stretch>
             <a:fillRect/>
@@ -3866,13 +3905,7 @@
       </p:pic>
       <p:sp>
         <p:nvSpPr>
-          <p:cNvPr id="12" name="ISPRING_QUIZ_SHAPE2">
-            <a:extLst>
-              <a:ext uri="{FF2B5EF4-FFF2-40B4-BE49-F238E27FC236}">
-                <a16:creationId xmlns:a16="http://schemas.microsoft.com/office/drawing/2014/main" id="{30ED5F54-26E8-6E65-1442-C38F58C7A024}"/>
-              </a:ext>
-            </a:extLst>
-          </p:cNvPr>
+          <p:cNvPr id="7" name="ISPRING_QUIZ_SHAPE2"/>
           <p:cNvSpPr txBox="1"/>
           <p:nvPr/>
         </p:nvSpPr>
@@ -3901,7 +3934,7 @@
           <a:p>
             <a:pPr algn="ctr"/>
             <a:r>
-              <a:rPr lang="en-US" sz="3000">
+              <a:rPr lang="en-US" sz="3000" smtClean="0">
                 <a:solidFill>
                   <a:srgbClr val="343944"/>
                 </a:solidFill>
@@ -3910,25 +3943,32 @@
               </a:rPr>
               <a:t>   Quiz</a:t>
             </a:r>
+            <a:endParaRPr lang="en-US" sz="3000">
+              <a:solidFill>
+                <a:srgbClr val="343944"/>
+              </a:solidFill>
+              <a:effectLst/>
+              <a:latin typeface="Segoe UI" panose="020B0502040204020203" pitchFamily="34" charset="0"/>
+            </a:endParaRPr>
           </a:p>
         </p:txBody>
       </p:sp>
       <p:pic>
         <p:nvPicPr>
-          <p:cNvPr id="14" name="ISPRING_QUIZ_SHAPE3">
-            <a:extLst>
-              <a:ext uri="{FF2B5EF4-FFF2-40B4-BE49-F238E27FC236}">
-                <a16:creationId xmlns:a16="http://schemas.microsoft.com/office/drawing/2014/main" id="{4BF6AFBD-075B-90EB-0813-D28E11678615}"/>
-              </a:ext>
-            </a:extLst>
-          </p:cNvPr>
+          <p:cNvPr id="8" name="ISPRING_QUIZ_SHAPE3"/>
           <p:cNvPicPr>
             <a:picLocks/>
           </p:cNvPicPr>
           <p:nvPr/>
         </p:nvPicPr>
         <p:blipFill>
-          <a:blip r:embed="rId8"/>
+          <a:blip r:embed="rId8">
+            <a:extLst>
+              <a:ext uri="{28A0092B-C50C-407E-A947-70E740481C1C}">
+                <a14:useLocalDpi xmlns:a14="http://schemas.microsoft.com/office/drawing/2010/main" val="0"/>
+              </a:ext>
+            </a:extLst>
+          </a:blip>
           <a:srcRect/>
           <a:stretch>
             <a:fillRect/>
@@ -3953,13 +3993,7 @@
       </p:pic>
       <p:sp>
         <p:nvSpPr>
-          <p:cNvPr id="15" name="ISPRING_QUIZ_SHAPE4">
-            <a:extLst>
-              <a:ext uri="{FF2B5EF4-FFF2-40B4-BE49-F238E27FC236}">
-                <a16:creationId xmlns:a16="http://schemas.microsoft.com/office/drawing/2014/main" id="{1DE52326-7738-AD4D-A623-B063FDF194BF}"/>
-              </a:ext>
-            </a:extLst>
-          </p:cNvPr>
+          <p:cNvPr id="9" name="ISPRING_QUIZ_SHAPE4"/>
           <p:cNvSpPr txBox="1"/>
           <p:nvPr/>
         </p:nvSpPr>
@@ -3988,7 +4022,7 @@
           <a:p>
             <a:pPr algn="ctr"/>
             <a:r>
-              <a:rPr lang="en-US" sz="2200">
+              <a:rPr lang="en-US" sz="2200" smtClean="0">
                 <a:solidFill>
                   <a:srgbClr val="343944"/>
                 </a:solidFill>
@@ -3998,7 +4032,7 @@
               <a:t>Click the </a:t>
             </a:r>
             <a:r>
-              <a:rPr lang="en-US" sz="2200" b="1">
+              <a:rPr lang="en-US" sz="2200" b="1" smtClean="0">
                 <a:solidFill>
                   <a:srgbClr val="343944"/>
                 </a:solidFill>
@@ -4008,7 +4042,7 @@
               <a:t>Quiz</a:t>
             </a:r>
             <a:r>
-              <a:rPr lang="en-US" sz="2200">
+              <a:rPr lang="en-US" sz="2200" smtClean="0">
                 <a:solidFill>
                   <a:srgbClr val="343944"/>
                 </a:solidFill>
@@ -4017,6 +4051,13 @@
               </a:rPr>
               <a:t> button to edit this object</a:t>
             </a:r>
+            <a:endParaRPr lang="en-US" sz="2200">
+              <a:solidFill>
+                <a:srgbClr val="343944"/>
+              </a:solidFill>
+              <a:effectLst/>
+              <a:latin typeface="Segoe UI" panose="020B0502040204020203" pitchFamily="34" charset="0"/>
+            </a:endParaRPr>
           </a:p>
         </p:txBody>
       </p:sp>
@@ -4033,6 +4074,14 @@
   <p:clrMapOvr>
     <a:masterClrMapping/>
   </p:clrMapOvr>
+  <mc:AlternateContent xmlns:mc="http://schemas.openxmlformats.org/markup-compatibility/2006">
+    <mc:Choice xmlns:p14="http://schemas.microsoft.com/office/powerpoint/2010/main" Requires="p14">
+      <p:transition spd="slow" p14:dur="2000" advClick="0"/>
+    </mc:Choice>
+    <mc:Fallback>
+      <p:transition spd="slow" advClick="0"/>
+    </mc:Fallback>
+  </mc:AlternateContent>
   <p:timing>
     <p:tnLst>
       <p:par>
@@ -4220,6 +4269,14 @@
   <p:clrMapOvr>
     <a:masterClrMapping/>
   </p:clrMapOvr>
+  <mc:AlternateContent xmlns:mc="http://schemas.openxmlformats.org/markup-compatibility/2006">
+    <mc:Choice xmlns:p14="http://schemas.microsoft.com/office/powerpoint/2010/main" Requires="p14">
+      <p:transition spd="slow" p14:dur="2000" advClick="0"/>
+    </mc:Choice>
+    <mc:Fallback>
+      <p:transition spd="slow" advClick="0"/>
+    </mc:Fallback>
+  </mc:AlternateContent>
   <p:timing>
     <p:tnLst>
       <p:par>
@@ -4249,16 +4306,16 @@
   <p:tag name="ISPRING_PUBLISH_SETTINGS" val="{&quot;commonSettings&quot;:{&quot;webSettings&quot;:{&quot;useMobileViewer&quot;:&quot;T_FALSE&quot;},&quot;lmsSettings&quot;:{&quot;useMobileViewer&quot;:&quot;T_FALSE&quot;},&quot;cloudSettings&quot;:{&quot;useMobileViewer&quot;:&quot;T_FALSE&quot;},&quot;ispringLmsSettings&quot;:{&quot;useMobileViewer&quot;:&quot;T_FALSE&quot;},&quot;playerId&quot;:&quot;universal&quot;,&quot;studioSettings&quot;:{&quot;useMobileViewer&quot;:&quot;T_FALSE&quot;}},&quot;advancedSettings&quot;:{&quot;enableTextAllocation&quot;:&quot;T_TRUE&quot;,&quot;viewingFromLocalDrive&quot;:&quot;T_TRUE&quot;,&quot;contentScale&quot;:75,&quot;contentScaleMode&quot;:&quot;FIT_TO_WINDOW&quot;},&quot;accessibilitySettings&quot;:{&quot;enabled&quot;:&quot;T_FALSE&quot;,&quot;language&quot;:&quot;EN&quot;},&quot;compressionSettings&quot;:{&quot;imageSettings&quot;:{&quot;jpegQuality&quot;:100,&quot;optimizeImageForResolution&quot;:&quot;T_FALSE&quot;},&quot;audioQuality&quot;:70,&quot;videoQuality&quot;:68},&quot;protectionSettings&quot;:{&quot;watermarkEnabled&quot;:&quot;T_FALSE&quot;,&quot;watermarkPosition&quot;:&quot;MIDDLE_CENTER&quot;,&quot;openWatermarkUrl&quot;:&quot;T_FALSE&quot;,&quot;watermarkUrl&quot;:&quot;https://&quot;,&quot;openWatermarkWebPageInNewWindow&quot;:&quot;T_FALSE&quot;,&quot;displayAfterEnabled&quot;:&quot;T_FALSE&quot;,&quot;displayUntilEnabled&quot;:&quot;T_FALSE&quot;,&quot;domainRestrictionEnabled&quot;:&quot;T_FALSE&quot;,&quot;enablePassword&quot;:&quot;T_FALSE&quot;},&quot;videoSettings&quot;:{&quot;videoCompressionSettings&quot;:{&quot;audioQuality&quot;:70,&quot;videoQuality&quot;:75},&quot;secondsOnEachSlide&quot;:5,&quot;hostingSettings&quot;:{}},&quot;ispringOnlineSettings&quot;:{&quot;onlineDestinationFolderId&quot;:&quot;1&quot;},&quot;cloudSettings&quot;:{&quot;onlineDestinationFolderId&quot;:&quot;1&quot;},&quot;wordSettings&quot;:{&quot;printCopies&quot;:1},&quot;studioSettings&quot;:{&quot;onlineDestinationFolderId&quot;:&quot;0&quot;}}"/>
   <p:tag name="ISPRING_WEBLINKS_TARGET" val="_self"/>
   <p:tag name="ISPRING_WEBLINKS_TARGETMJT" val="_self"/>
-  <p:tag name="ISPRING_SCREEN_RECS_UPDATED" val="C:\Users\pc\Desktop\Nabad\safeguarding\en\lessons\dealing_disclosure\"/>
-  <p:tag name="ISPRING_RESOURCE_FOLDER" val="C:\Users\pc\Desktop\Nabad\safeguarding\en\lessons\dealing_disclosure\"/>
-  <p:tag name="ISPRING_PRESENTATION_PATH" val="C:\Users\pc\Desktop\Nabad\safeguarding\en\lessons\dealing_disclosure.pptx"/>
   <p:tag name="ISPRING_ULTRA_SCORM_COURCE_TITLE" val="dealing_disclosure"/>
   <p:tag name="ISPRING_PRESENTATION_TITLE" val="dealing_disclosure"/>
   <p:tag name="ISPRING_SCORM_RATE_QUIZZES" val="1"/>
   <p:tag name="ISPRING_SCORM_PASSING_SCORE" val="80.000000"/>
   <p:tag name="ISPRING-SUITE_ISPRING_PLAYERS_CUSTOMIZATION_2" val="{&quot;universal&quot;:{&quot;skinSettings&quot;:{&quot;borderRadius&quot;:10,&quot;colors&quot;:{&quot;asideBackground&quot;:{&quot;color&quot;:&quot;#EA7540&quot;,&quot;opacity&quot;:1,&quot;type&quot;:&quot;SOLID&quot;},&quot;asideElementBackgroundActive&quot;:{&quot;color&quot;:&quot;#414141&quot;,&quot;opacity&quot;:1,&quot;type&quot;:&quot;SOLID&quot;},&quot;asideElementBackgroundHover&quot;:{&quot;color&quot;:&quot;#FDAA84&quot;,&quot;opacity&quot;:1,&quot;type&quot;:&quot;SOLID&quot;},&quot;asideElementText&quot;:{&quot;color&quot;:&quot;#261813&quot;,&quot;opacity&quot;:1,&quot;type&quot;:&quot;SOLID&quot;},&quot;asideElementTextActive&quot;:{&quot;color&quot;:&quot;#FFFFFF&quot;,&quot;opacity&quot;:1,&quot;type&quot;:&quot;SOLID&quot;},&quot;asideElementTextHover&quot;:{&quot;color&quot;:&quot;#261813&quot;,&quot;opacity&quot;:1,&quot;type&quot;:&quot;SOLID&quot;},&quot;asideLogoBackground&quot;:{&quot;color&quot;:&quot;#EFF1F2&quot;,&quot;opacity&quot;:1,&quot;type&quot;:&quot;SOLID&quot;},&quot;pageBackground&quot;:{&quot;color&quot;:&quot;#F4E9E5&quot;,&quot;opacity&quot;:1,&quot;type&quot;:&quot;SOLID&quot;},&quot;playerBackground&quot;:{&quot;color&quot;:&quot;#FFFFFF&quot;,&quot;opacity&quot;:1,&quot;type&quot;:&quot;SOLID&quot;},&quot;playerText&quot;:{&quot;color&quot;:&quot;#616870&quot;,&quot;opacity&quot;:1,&quot;type&quot;:&quot;SOLID&quot;},&quot;primaryButtonBackground&quot;:{&quot;color&quot;:&quot;#374B5B&quot;,&quot;opacity&quot;:1,&quot;type&quot;:&quot;SOLID&quot;},&quot;primaryButtonBackgroundHover&quot;:{&quot;color&quot;:&quot;#EA7540&quot;,&quot;opacity&quot;:1,&quot;type&quot;:&quot;SOLID&quot;},&quot;primaryButtonBorder&quot;:{&quot;color&quot;:&quot;#374B5B&quot;,&quot;opacity&quot;:1,&quot;type&quot;:&quot;SOLID&quot;},&quot;primaryButtonBorderHover&quot;:{&quot;color&quot;:&quot;#EA7540&quot;,&quot;opacity&quot;:1,&quot;type&quot;:&quot;SOLID&quot;},&quot;primaryButtonText&quot;:{&quot;color&quot;:&quot;#FFFFFF&quot;,&quot;opacity&quot;:1,&quot;type&quot;:&quot;SOLID&quot;},&quot;primaryButtonTextHover&quot;:{&quot;color&quot;:&quot;#FFFFFF&quot;,&quot;opacity&quot;:1,&quot;type&quot;:&quot;SOLID&quot;},&quot;secondaryButtonBackground&quot;:{&quot;color&quot;:&quot;#F1F2F4&quot;,&quot;opacity&quot;:1,&quot;type&quot;:&quot;SOLID&quot;},&quot;secondaryButtonBackgroundHover&quot;:{&quot;color&quot;:&quot;#E5E5E5&quot;,&quot;opacity&quot;:1,&quot;type&quot;:&quot;SOLID&quot;},&quot;secondaryButtonBorder&quot;:{&quot;color&quot;:&quot;#F1F2F4&quot;,&quot;opacity&quot;:1,&quot;type&quot;:&quot;SOLID&quot;},&quot;secondaryButtonBorderHover&quot;:{&quot;color&quot;:&quot;#E5E5E5&quot;,&quot;opacity&quot;:1,&quot;type&quot;:&quot;SOLID&quot;},&quot;secondaryButtonText&quot;:{&quot;color&quot;:&quot;#616870&quot;,&quot;opacity&quot;:1,&quot;type&quot;:&quot;SOLID&quot;},&quot;secondaryButtonTextHover&quot;:{&quot;color&quot;:&quot;#616870&quot;,&quot;opacity&quot;:1,&quot;type&quot;:&quot;SOLID&quot;}},&quot;controlPanel&quot;:{&quot;navigationMode&quot;:&quot;bySlides&quot;,&quot;progressBar&quot;:{&quot;enabled&quot;:true,&quot;mode&quot;:&quot;presentationTimeline&quot;,&quot;showLabels&quot;:true,&quot;visible&quot;:false},&quot;showCCButton&quot;:false,&quot;showNextButton&quot;:true,&quot;showOutline&quot;:false,&quot;showPlayPause&quot;:false,&quot;showPlaybackRateButton&quot;:false,&quot;showPrevButton&quot;:true,&quot;showRewind&quot;:false,&quot;showSlideNumbers&quot;:false,&quot;showSlideOnlyButton&quot;:true,&quot;showTimer&quot;:false,&quot;showVolumeControl&quot;:false,&quot;visible&quot;:true},&quot;fontFamily&quot;:&quot;Arial&quot;,&quot;miniskinCustomizationEnabled&quot;:false,&quot;outlinePanel&quot;:{&quot;highlightViewedEntries&quot;:false,&quot;multilevel&quot;:true,&quot;numberEntries&quot;:true,&quot;search&quot;:true,&quot;thumbnails&quot;:true},&quot;sidePanel&quot;:{&quot;showAtLeft&quot;:false,&quot;showLogo&quot;:false,&quot;showNotes&quot;:false,&quot;showOutline&quot;:false,&quot;showPresenterInfo&quot;:false,&quot;showPresenterVideo&quot;:false,&quot;visible&quot;:false},&quot;titlePanel&quot;:{&quot;buttons&quot;:[&quot;attachments&quot;,&quot;markerTools&quot;,&quot;presenterInfo&quot;],&quot;buttonsAtLeft&quot;:true,&quot;courseTitleVisible&quot;:true,&quot;showLogo&quot;:false,&quot;visible&quot;:false},&quot;version&quot;:&quot;1.1&quot;},&quot;skinMessages&quot;:{&quot;PB_ACCESSIBLE_ARIA_LABEL_BACK_TO_BEGIN&quot;:&quot;Go to the beginning of the slide&quot;,&quot;PB_ACCESSIBLE_ARIA_LABEL_BOTTOM_PANEL&quot;:&quot;Bottom Bar&quot;,&quot;PB_ACCESSIBLE_ARIA_LABEL_NAVIGATION_BUTTONS&quot;:&quot;Navigation buttons&quot;,&quot;PB_ACCESSIBLE_ARIA_LABEL_SETTINGS&quot;:&quot;Accessibility Settings&quot;,&quot;PB_ACCESSIBLE_ARIA_LABEL_SLIDE&quot;:&quot;Slide&quot;,&quot;PB_ACCESSIBLE_ARIA_LABEL_TOP_PANEL&quot;:&quot;Top Bar&quot;,&quot;PB_ACCESSIBLE_AUDIO_NARRATION_LABEL&quot;:&quot;Audio narration&quot;,&quot;PB_ACCESSIBLE_NAVIGATION_NEXT_BUTTON&quot;:&quot;Next&quot;,&quot;PB_ACCESSIBLE_NAVIGATION_PREV_BUTTON&quot;:&quot;Previous&quot;,&quot;PB_ACCESSIBLE_SKIN_ENABLE_ACCESSIBILITY_MODE&quot;:&quot;Turn on accessibility mode&quot;,&quot;PB_ACCESSIBLE_SKIN_ENABLE_NORMAL_MODE&quot;:&quot;Turn off accessibility mode&quot;,&quot;PB_ACCESSIBLE_SKIN_PRESENTER_PHOTO&quot;:&quot;Presenter photo&quot;,&quot;PB_ACCESSIBLE_SLIDE_N_OF_COUNT&quot;:&quot;Slide %SLIDE_NUMBER% of %TOTAL_SLIDES%&quot;,&quot;PB_ACCESSIBLE_VIDEO_NARRATION_LABEL&quot;:&quot;Video narration&quot;,&quot;PB_ACCESSIBLE_WATERMARK_SKIN_CREATED_WITH&quot;:&quot;Created with iSpring evaluation version&quot;,&quot;PB_ATTACHMENT_DOCUMENT_SUBTITLE&quot;:&quot;Document&quot;,&quot;PB_ATTACHMENT_FILE_SUBTITLE&quot;:&quot;File&quot;,&quot;PB_ATTACHMENT_IMAGE_SUBTITLE&quot;:&quot;Picture&quot;,&quot;PB_ATTACHMENT_LINK_SUBTITLE&quot;:&quot;Link&quot;,&quot;PB_ATTACHMENT_VIDEO_SUBTITLE&quot;:&quot;Video&quot;,&quot;PB_BACK_TO_APP_BUTTON_LABEL&quot;:&quot;Go back&quot;,&quot;PB_CC_MENU_OFF&quot;:&quot;Off&quot;,&quot;PB_CC_MENU_ON&quot;:&quot;On&quot;,&quot;PB_CC_MENU_TITLE&quot;:&quot;Notes&quot;,&quot;PB_CONTROL_PANEL_CLOSED_CAPTIONS&quot;:&quot;Notes&quot;,&quot;PB_CONTROL_PANEL_EXIT_FULL_SCREEN&quot;:&quot;Exit full screen&quot;,&quot;PB_CONTROL_PANEL_FULL_SCREEN&quot;:&quot;Full screen&quot;,&quot;PB_CONTROL_PANEL_NEXT&quot;:&quot;Next&quot;,&quot;PB_CONTROL_PANEL_OUTLINE&quot;:&quot;Outline&quot;,&quot;PB_CONTROL_PANEL_PREV&quot;:&quot;&quot;,&quot;PB_CONTROL_PANEL_REPLAY&quot;:&quot;Replay&quot;,&quot;PB_CONTROL_PANEL_SLIDE_COUNTER&quot;:&quot;%SLIDE_NUMBER% of %TOTAL_SLIDES%&quot;,&quot;PB_CONTROL_PANEL_VOLUME_CONTROL&quot;:&quot;Volume&quot;,&quot;PB_CURRENT_SLIDE_IS_NOT_COMPLETED&quot;:&quot;Complete the slide to go to the next one.&quot;,&quot;PB_DOMAIN_RESTRICTION&quot;:&quot;Sorry, the content author has prohibited sharing the presentation on this domain.&quot;,&quot;PB_DRAWING_TOOLS_END_DRAWING&quot;:&quot;Finish drawing&quot;,&quot;PB_DRAWING_TOOLS_ERASER&quot;:&quot;Eraser&quot;,&quot;PB_DRAWING_TOOLS_ERASE_ALL&quot;:&quot;Erase all&quot;,&quot;PB_DRAWING_TOOLS_HIGHLIGHTER&quot;:&quot;Highlighter&quot;,&quot;PB_DRAWING_TOOLS_PEN&quot;:&quot;Pen&quot;,&quot;PB_ENTER_PASSWORD&quot;:&quot;Enter the password to view this presentation.&quot;,&quot;PB_INCORRECT_PASSWORD&quot;:&quot;Incorrect password.&quot;,&quot;PB_INTERACTION_SLIDE_WINDOW_TEXT&quot;:&quot;To advance to the next slide, complete this interaction.&quot;,&quot;PB_MESSAGE_BOX_NO&quot;:&quot;No&quot;,&quot;PB_MESSAGE_BOX_OK&quot;:&quot;OK&quot;,&quot;PB_MESSAGE_BOX_YES&quot;:&quot;Yes&quot;,&quot;PB_NAVIGATION_IS_RESTRICTED&quot;:&quot;You can only view slides in order.&quot;,&quot;PB_NAVIGATION_IS_SEQUENTIAL&quot;:&quot;You can only view slides in order.&quot;,&quot;PB_PLAYBACK_RATE_MENU_CAPTION&quot;:&quot;Speed&quot;,&quot;PB_PRECEDING_QUIZ_FAILED_WINDOW_TEXT&quot;:&quot;You haven't passed the quiz on slide %SLIDE_INDEX% and can't advance to the next slide.&quot;,&quot;PB_PRECEDING_QUIZ_NOT_COMPLETED_WINDOW_TEXT&quot;:&quot;To advance to this slide, complete the quiz on slide %SLIDE_INDEX%.&quot;,&quot;PB_PRECEDING_QUIZ_NOT_PASSED_WINDOW_TEXT&quot;:&quot;To advance to this slide, you need to pass the quiz on slide %SLIDE_INDEX%.&quot;,&quot;PB_PRECEDING_SCENARIO_FAILED_WINDOW_TEXT&quot;:&quot;You haven't passed the role-play on slide %SLIDE_INDEX% and can't advance to the next slide.&quot;,&quot;PB_PRECEDING_SCENARIO_NOT_COMPLETED_WINDOW_TEXT&quot;:&quot;To advance to this slide, complete the role-play on slide %SLIDE_INDEX%.&quot;,&quot;PB_PRECEDING_SCENARIO_NOT_PASSED_WINDOW_TEXT&quot;:&quot;To advance to this slide, you need to pass the role-play on slide %SLIDE_INDEX%.&quot;,&quot;PB_PRESENTER_COLLAPSE_BIO&quot;:&quot;Show less&quot;,&quot;PB_PRESENTER_EMAIL&quot;:&quot;Email&quot;,&quot;PB_PRESENTER_EXPAND_BIO&quot;:&quot;Show more&quot;,&quot;PB_PRESENTER_NO_INFO&quot;:&quot;No presenter info.&quot;,&quot;PB_PRESENTER_WEBSITE&quot;:&quot;Website&quot;,&quot;PB_QUIZ_SLIDE_WINDOW_TEXT&quot;:&quot;To advance to the next slide, complete this quiz.&quot;,&quot;PB_RATE_MENU_CAPTION&quot;:&quot;Speed&quot;,&quot;PB_RATE_MENU_DEFAULT_RATE&quot;:&quot;Normal&quot;,&quot;PB_RESUME_PRESENTATION_WINDOW_TEXT&quot;:&quot;Do you want to resume where you left off?&quot;,&quot;PB_SCENARIO_SLIDE_WINDOW_TEXT&quot;:&quot;To advance to the next slide, complete this role-play.&quot;,&quot;PB_SEARCH_CANCEL&quot;:&quot;Cancel&quot;,&quot;PB_SEARCH_NO_RESULTS_LABEL&quot;:&quot;No matches found.&quot;,&quot;PB_SEARCH_PANEL_DEFAULT_TEXT&quot;:&quot;Search…&quot;,&quot;PB_SEARCH_RESULTS_LABEL&quot;:&quot;Search results&quot;,&quot;PB_SEARCH_RESULT_IN_NOTES&quot;:&quot;in notes&quot;,&quot;PB_SEARCH_RESULT_IN_TEXT_LABEL&quot;:&quot;in slide&quot;,&quot;PB_SUBTITLES_MENU_CAPTION&quot;:&quot;Subtitles&quot;,&quot;PB_SUBTITLES_OFF&quot;:&quot;Off&quot;,&quot;PB_TAB_NOTES_LABEL&quot;:&quot;Notes&quot;,&quot;PB_TAB_OUTLINE_LABEL&quot;:&quot;Slides&quot;,&quot;PB_TIME_RESTRICTION&quot;:&quot;Sorry, the content author has prohibited viewing the presentation at this time.&quot;,&quot;PB_TITLE_PANEL_ATTACHMENTS&quot;:&quot;Resources&quot;,&quot;PB_TITLE_PANEL_MARKER_TOOLS&quot;:&quot;Drawing&quot;,&quot;PB_TITLE_PANEL_NOTES&quot;:&quot;Notes&quot;,&quot;PB_TITLE_PANEL_OUTLINE&quot;:&quot;Outline&quot;,&quot;PB_TITLE_PANEL_PRESENTER_INFO&quot;:&quot;Presenter Info&quot;,&quot;PB_TREE_CONTROL_LOADING&quot;:&quot;Loading…&quot;,&quot;PB_VIDEO_WINDOW_NO_VIDEO_LABEL&quot;:&quot;No video&quot;},&quot;playbackAndNavigationSettings&quot;:{&quot;autoStart&quot;:true,&quot;saveAnimationStates&quot;:true,&quot;loopPresentation&quot;:false,&quot;autoPlayAnimations&quot;:false,&quot;autoPlayAnimationsTime&quot;:1,&quot;navigationType&quot;:&quot;LIMITED&quot;,&quot;resumeMode&quot;:&quot;PROMPT&quot;,&quot;enableKeyboardNavigation&quot;:true},&quot;keyboardSettings&quot;:&quot;&quot;,&quot;skinVersion&quot;:3,&quot;skinCompatibleVersion&quot;:0,&quot;publishSettings&quot;:{&quot;backgroundColor&quot;:&quot;#F4E9E5&quot;,&quot;playerDimensions&quot;:{&quot;height&quot;:92,&quot;width&quot;:16},&quot;playerModule&quot;:&quot;UniversalHtml&quot;,&quot;presentationContent&quot;:{&quot;metadata&quot;:{&quot;references&quot;:false,&quot;texts&quot;:[&quot;DT_HYPERLINK_TOOLTIP&quot;]},&quot;resources&quot;:{&quot;attachments&quot;:false,&quot;fonts&quot;:[{&quot;charsets&quot;:{&quot;dynamicFormatted&quot;:[&quot;DCT_INTERACTIVITY_TEXT&quot;,&quot;DCT_INTERACTIVITY_SEMIBOLD_TEXT&quot;],&quot;dynamicPlain&quot;:[&quot;DCT_HYPERLINK_TOOLTIP&quot;],&quot;static&quot;:[&quot;Next&quot;,&quot;Full screen&quot;,&quot;Exit full screen&quot;,&quot;Yes&quot;,&quot;No&quot;,&quot;OK&quot;,&quot;Do you want to resume where you left off?&quot;,&quot;Complete the slide to go to the next one.&quot;,&quot;You can only view slides in order.&quot;,&quot;To advance to the next slide, complete this quiz.&quot;,&quot;To advance to this slide, you need to pass the quiz on slide %SLIDE_INDEX%.&quot;,&quot;To advance to this slide, complete the quiz on slide %SLIDE_INDEX%.&quot;,&quot;You haven't passed the quiz on slide %SLIDE_INDEX% and can't advance to the next slide.&quot;,&quot;To advance to the next slide, complete this interaction.&quot;,&quot;To advance to the next slide, complete this role-play.&quot;,&quot;To advance to this slide, you need to pass the role-play on slide %SLIDE_INDEX%.&quot;,&quot;To advance to this slide, complete the role-play on slide %SLIDE_INDEX%.&quot;,&quot;You haven't passed the role-play on slide %SLIDE_INDEX% and can't advance to the next slide.&quot;,&quot;Enter the password to view this presentation.&quot;,&quot;Incorrect password.&quot;,&quot;Sorry, the content author has prohibited sharing the presentation on this domain.&quot;,&quot;Sorry, the content author has prohibited viewing the presentation at this time.&quot;,&quot;Go back&quot;]},&quot;embedName&quot;:&quot;PFn&quot;,&quot;fontFamily&quot;:&quot;Arial&quot;,&quot;isBold&quot;:false,&quot;isItalic&quot;:false,&quot;isSemibold&quot;:false,&quot;substituteFontFamily&quot;:&quot;Arial&quot;},{&quot;charsets&quot;:{&quot;dynamicFormatted&quot;:[&quot;DCT_INTERACTIVITY_TEXT&quot;,&quot;DCT_INTERACTIVITY_SEMIBOLD_TEXT&quot;],&quot;dynamicPlain&quot;:[&quot;DCT_HYPERLINK_TOOLTIP&quot;],&quot;static&quot;:[&quot;Next&quot;,&quot;Full screen&quot;,&quot;Exit full screen&quot;,&quot;Yes&quot;,&quot;No&quot;,&quot;OK&quot;,&quot;Do you want to resume where you left off?&quot;,&quot;Complete the slide to go to the next one.&quot;,&quot;You can only view slides in order.&quot;,&quot;To advance to the next slide, complete this quiz.&quot;,&quot;To advance to this slide, you need to pass the quiz on slide %SLIDE_INDEX%.&quot;,&quot;To advance to this slide, complete the quiz on slide %SLIDE_INDEX%.&quot;,&quot;You haven't passed the quiz on slide %SLIDE_INDEX% and can't advance to the next slide.&quot;,&quot;To advance to the next slide, complete this interaction.&quot;,&quot;To advance to the next slide, complete this role-play.&quot;,&quot;To advance to this slide, you need to pass the role-play on slide %SLIDE_INDEX%.&quot;,&quot;To advance to this slide, complete the role-play on slide %SLIDE_INDEX%.&quot;,&quot;You haven't passed the role-play on slide %SLIDE_INDEX% and can't advance to the next slide.&quot;,&quot;Enter the password to view this presentation.&quot;,&quot;Incorrect password.&quot;,&quot;Sorry, the content author has prohibited sharing the presentation on this domain.&quot;,&quot;Sorry, the content author has prohibited viewing the presentation at this time.&quot;,&quot;Go back&quot;]},&quot;embedName&quot;:&quot;PFnb&quot;,&quot;fontFamily&quot;:&quot;Arial&quot;,&quot;isBold&quot;:true,&quot;isItalic&quot;:false,&quot;isSemibold&quot;:false,&quot;substituteFontFamily&quot;:&quot;Arial&quot;},{&quot;charsets&quot;:{&quot;dynamicFormatted&quot;:[&quot;DCT_INTERACTIVITY_TEXT&quot;,&quot;DCT_INTERACTIVITY_SEMIBOLD_TEXT&quot;],&quot;dynamicPlain&quot;:[&quot;DCT_HYPERLINK_TOOLTIP&quot;],&quot;static&quot;:[&quot;Next&quot;,&quot;Full screen&quot;,&quot;Exit full screen&quot;,&quot;Yes&quot;,&quot;No&quot;,&quot;OK&quot;,&quot;Do you want to resume where you left off?&quot;,&quot;Complete the slide to go to the next one.&quot;,&quot;You can only view slides in order.&quot;,&quot;To advance to the next slide, complete this quiz.&quot;,&quot;To advance to this slide, you need to pass the quiz on slide %SLIDE_INDEX%.&quot;,&quot;To advance to this slide, complete the quiz on slide %SLIDE_INDEX%.&quot;,&quot;You haven't passed the quiz on slide %SLIDE_INDEX% and can't advance to the next slide.&quot;,&quot;To advance to the next slide, complete this interaction.&quot;,&quot;To advance to the next slide, complete this role-play.&quot;,&quot;To advance to this slide, you need to pass the role-play on slide %SLIDE_INDEX%.&quot;,&quot;To advance to this slide, complete the role-play on slide %SLIDE_INDEX%.&quot;,&quot;You haven't passed the role-play on slide %SLIDE_INDEX% and can't advance to the next slide.&quot;,&quot;Enter the password to view this presentation.&quot;,&quot;Incorrect password.&quot;,&quot;Sorry, the content author has prohibited sharing the presentation on this domain.&quot;,&quot;Sorry, the content author has prohibited viewing the presentation at this time.&quot;,&quot;Go back&quot;]},&quot;embedName&quot;:&quot;PFni&quot;,&quot;fontFamily&quot;:&quot;Arial&quot;,&quot;isBold&quot;:false,&quot;isItalic&quot;:true,&quot;isSemibold&quot;:false,&quot;substituteFontFamily&quot;:&quot;Arial&quot;},{&quot;charsets&quot;:{&quot;dynamicFormatted&quot;:[&quot;DCT_INTERACTIVITY_TEXT&quot;,&quot;DCT_INTERACTIVITY_SEMIBOLD_TEXT&quot;],&quot;dynamicPlain&quot;:[&quot;DCT_HYPERLINK_TOOLTIP&quot;],&quot;static&quot;:[&quot;Next&quot;,&quot;Full screen&quot;,&quot;Exit full screen&quot;,&quot;Yes&quot;,&quot;No&quot;,&quot;OK&quot;,&quot;Do you want to resume where you left off?&quot;,&quot;Complete the slide to go to the next one.&quot;,&quot;You can only view slides in order.&quot;,&quot;To advance to the next slide, complete this quiz.&quot;,&quot;To advance to this slide, you need to pass the quiz on slide %SLIDE_INDEX%.&quot;,&quot;To advance to this slide, complete the quiz on slide %SLIDE_INDEX%.&quot;,&quot;You haven't passed the quiz on slide %SLIDE_INDEX% and can't advance to the next slide.&quot;,&quot;To advance to the next slide, complete this interaction.&quot;,&quot;To advance to the next slide, complete this role-play.&quot;,&quot;To advance to this slide, you need to pass the role-play on slide %SLIDE_INDEX%.&quot;,&quot;To advance to this slide, complete the role-play on slide %SLIDE_INDEX%.&quot;,&quot;You haven't passed the role-play on slide %SLIDE_INDEX% and can't advance to the next slide.&quot;,&quot;Enter the password to view this presentation.&quot;,&quot;Incorrect password.&quot;,&quot;Sorry, the content author has prohibited sharing the presentation on this domain.&quot;,&quot;Sorry, the content author has prohibited viewing the presentation at this time.&quot;,&quot;Go back&quot;]},&quot;embedName&quot;:&quot;PFnbi&quot;,&quot;fontFamily&quot;:&quot;Arial&quot;,&quot;isBold&quot;:true,&quot;isItalic&quot;:true,&quot;isSemibold&quot;:false,&quot;substituteFontFamily&quot;:&quot;Arial&quot;},{&quot;charsets&quot;:{&quot;dynamicFormatted&quot;:[&quot;DCT_INTERACTIVITY_TEXT&quot;,&quot;DCT_INTERACTIVITY_SEMIBOLD_TEXT&quot;],&quot;dynamicPlain&quot;:[&quot;DCT_HYPERLINK_TOOLTIP&quot;],&quot;static&quot;:[&quot;Next&quot;,&quot;Full screen&quot;,&quot;Exit full screen&quot;,&quot;Yes&quot;,&quot;No&quot;,&quot;OK&quot;,&quot;Do you want to resume where you left off?&quot;,&quot;Complete the slide to go to the next one.&quot;,&quot;You can only view slides in order.&quot;,&quot;To advance to the next slide, complete this quiz.&quot;,&quot;To advance to this slide, you need to pass the quiz on slide %SLIDE_INDEX%.&quot;,&quot;To advance to this slide, complete the quiz on slide %SLIDE_INDEX%.&quot;,&quot;You haven't passed the quiz on slide %SLIDE_INDEX% and can't advance to the next slide.&quot;,&quot;To advance to the next slide, complete this interaction.&quot;,&quot;To advance to the next slide, complete this role-play.&quot;,&quot;To advance to this slide, you need to pass the role-play on slide %SLIDE_INDEX%.&quot;,&quot;To advance to this slide, complete the role-play on slide %SLIDE_INDEX%.&quot;,&quot;You haven't passed the role-play on slide %SLIDE_INDEX% and can't advance to the next slide.&quot;,&quot;Enter the password to view this presentation.&quot;,&quot;Incorrect password.&quot;,&quot;Sorry, the content author has prohibited sharing the presentation on this domain.&quot;,&quot;Sorry, the content author has prohibited viewing the presentation at this time.&quot;,&quot;Go back&quot;]},&quot;embedName&quot;:&quot;PFnsb&quot;,&quot;fontFamily&quot;:&quot;Arial&quot;,&quot;isBold&quot;:false,&quot;isItalic&quot;:false,&quot;isSemibold&quot;:true,&quot;substituteFontFamily&quot;:&quot;Arial&quot;},{&quot;charsets&quot;:{&quot;dynamicFormatted&quot;:[&quot;DCT_INTERACTIVITY_TEXT&quot;,&quot;DCT_INTERACTIVITY_SEMIBOLD_TEXT&quot;],&quot;dynamicPlain&quot;:[&quot;DCT_HYPERLINK_TOOLTIP&quot;],&quot;static&quot;:[&quot;Next&quot;,&quot;Full screen&quot;,&quot;Exit full screen&quot;,&quot;Yes&quot;,&quot;No&quot;,&quot;OK&quot;,&quot;Do you want to resume where you left off?&quot;,&quot;Complete the slide to go to the next one.&quot;,&quot;You can only view slides in order.&quot;,&quot;To advance to the next slide, complete this quiz.&quot;,&quot;To advance to this slide, you need to pass the quiz on slide %SLIDE_INDEX%.&quot;,&quot;To advance to this slide, complete the quiz on slide %SLIDE_INDEX%.&quot;,&quot;You haven't passed the quiz on slide %SLIDE_INDEX% and can't advance to the next slide.&quot;,&quot;To advance to the next slide, complete this interaction.&quot;,&quot;To advance to the next slide, complete this role-play.&quot;,&quot;To advance to this slide, you need to pass the role-play on slide %SLIDE_INDEX%.&quot;,&quot;To advance to this slide, complete the role-play on slide %SLIDE_INDEX%.&quot;,&quot;You haven't passed the role-play on slide %SLIDE_INDEX% and can't advance to the next slide.&quot;,&quot;Enter the password to view this presentation.&quot;,&quot;Incorrect password.&quot;,&quot;Sorry, the content author has prohibited sharing the presentation on this domain.&quot;,&quot;Sorry, the content author has prohibited viewing the presentation at this time.&quot;,&quot;Go back&quot;]},&quot;embedName&quot;:&quot;PFnsbi&quot;,&quot;fontFamily&quot;:&quot;Arial&quot;,&quot;isBold&quot;:false,&quot;isItalic&quot;:true,&quot;isSemibold&quot;:true,&quot;substituteFontFamily&quot;:&quot;Arial&quot;}],&quot;interactivity&quot;:{&quot;fullSupport&quot;:true}}}},&quot;ceipData&quot;:{&quot;enableMiniSkinCustomization&quot;:false,&quot;playerLayout&quot;:&quot;custom&quot;,&quot;playerLayoutFooter&quot;:&quot;fullscreen,goToPrev,goToNext&quot;,&quot;playerLayoutHeader&quot;:&quot;&quot;,&quot;playerLayoutHeaderButtonsPosition&quot;:&quot;&quot;,&quot;playerLayoutOutline&quot;:&quot;&quot;,&quot;playerLayoutProgress&quot;:&quot;&quot;,&quot;playerLayoutProgressMode&quot;:&quot;&quot;,&quot;playerLayoutSidebar&quot;:&quot;&quot;,&quot;playerLayoutSidebarPosition&quot;:&quot;&quot;,&quot;playerMessages&quot;:&quot;builtin.en&quot;,&quot;playerNavigationAutoStart&quot;:true,&quot;playerNavigationEnableKeyboardNavigation&quot;:true,&quot;playerNavigationMode&quot;:&quot;bySlides&quot;,&quot;playerNavigationOnRestart&quot;:&quot;prompt&quot;,&quot;playerNavigationSaveAnimationStates&quot;:true,&quot;playerNavigationType&quot;:&quot;restricted&quot;,&quot;playerTheme&quot;:&quot;custom&quot;,&quot;playerThemeBorderRadius&quot;:10,&quot;playerThemeColorScheme&quot;:&quot;builtin.lightOrange&quot;,&quot;playerThemeFont&quot;:&quot;Arial&quot;}},&quot;none&quot;:{&quot;skinSettings&quot;:{&quot;borderRadius&quot;:10,&quot;colors&quot;:{&quot;asideBackground&quot;:{&quot;color&quot;:&quot;#FFFFFF&quot;,&quot;opacity&quot;:1,&quot;type&quot;:&quot;SOLID&quot;},&quot;pageBackground&quot;:{&quot;color&quot;:&quot;#DCDEE0&quot;,&quot;opacity&quot;:1,&quot;type&quot;:&quot;SOLID&quot;},&quot;playerText&quot;:{&quot;color&quot;:&quot;#34383D&quot;,&quot;opacity&quot;:1,&quot;type&quot;:&quot;SOLID&quot;},&quot;primaryButtonBackground&quot;:{&quot;color&quot;:&quot;#5F8BD9&quot;,&quot;opacity&quot;:1,&quot;type&quot;:&quot;SOLID&quot;},&quot;primaryButtonBackgroundHover&quot;:{&quot;color&quot;:&quot;#5077BB&quot;,&quot;opacity&quot;:1,&quot;type&quot;:&quot;SOLID&quot;},&quot;primaryButtonBorder&quot;:{&quot;color&quot;:&quot;#5F8BD9&quot;,&quot;opacity&quot;:1,&quot;type&quot;:&quot;SOLID&quot;},&quot;primaryButtonBorderHover&quot;:{&quot;color&quot;:&quot;#5077BB&quot;,&quot;opacity&quot;:1,&quot;type&quot;:&quot;SOLID&quot;},&quot;primaryButtonText&quot;:{&quot;color&quot;:&quot;#FFFFFF&quot;,&quot;opacity&quot;:1,&quot;type&quot;:&quot;SOLID&quot;},&quot;primaryButtonTextHover&quot;:{&quot;color&quot;:&quot;#FFFFFF&quot;,&quot;opacity&quot;:1,&quot;type&quot;:&quot;SOLID&quot;}},&quot;enablePlaybackRateControl&quot;:true,&quot;fontFamily&quot;:&quot;Arial&quot;,&quot;version&quot;:&quot;1.0&quot;},&quot;skinMessages&quot;:{&quot;PB_ACCESSIBLE_ARIA_LABEL_BACK_TO_BEGIN&quot;:&quot;Go to the beginning of the slide&quot;,&quot;PB_ACCESSIBLE_ARIA_LABEL_BOTTOM_PANEL&quot;:&quot;Bottom Bar&quot;,&quot;PB_ACCESSIBLE_ARIA_LABEL_NAVIGATION_BUTTONS&quot;:&quot;Navigation buttons&quot;,&quot;PB_ACCESSIBLE_ARIA_LABEL_SETTINGS&quot;:&quot;Accessibility Settings&quot;,&quot;PB_ACCESSIBLE_ARIA_LABEL_SLIDE&quot;:&quot;Slide&quot;,&quot;PB_ACCESSIBLE_ARIA_LABEL_TOP_PANEL&quot;:&quot;Top Bar&quot;,&quot;PB_ACCESSIBLE_AUDIO_NARRATION_LABEL&quot;:&quot;Audio narration&quot;,&quot;PB_ACCESSIBLE_NAVIGATION_NEXT_BUTTON&quot;:&quot;Next&quot;,&quot;PB_ACCESSIBLE_NAVIGATION_PREV_BUTTON&quot;:&quot;Previous&quot;,&quot;PB_ACCESSIBLE_PLAYER_SCENARIO_NOT_SUPPORTED&quot;:&quot;The role-play is not supported in the accessibility mode&quot;,&quot;PB_ACCESSIBLE_SKIN_ENABLE_ACCESSIBILITY_MODE&quot;:&quot;Turn on accessibility mode&quot;,&quot;PB_ACCESSIBLE_SKIN_ENABLE_NORMAL_MODE&quot;:&quot;Turn off accessibility mode&quot;,&quot;PB_ACCESSIBLE_VIDEO_NARRATION_LABEL&quot;:&quot;Video narration&quot;,&quot;PB_ACCESSIBLE_WATERMARK_SKIN_CREATED_WITH&quot;:&quot;Created with iSpring evaluation version&quot;,&quot;PB_BACK_TO_APP_BUTTON_LABEL&quot;:&quot;Go back&quot;,&quot;PB_CONTROL_PANEL_NEXT&quot;:&quot;Next&quot;,&quot;PB_CONTROL_PANEL_PREV&quot;:&quot;&quot;,&quot;PB_CURRENT_SLIDE_IS_NOT_COMPLETED&quot;:&quot;Complete the slide to go to the next one.&quot;,&quot;PB_DOMAIN_RESTRICTION&quot;:&quot;Sorry, the content author has prohibited sharing the presentation on this domain.&quot;,&quot;PB_ENTER_PASSWORD&quot;:&quot;Enter the password to view this presentation.&quot;,&quot;PB_INCORRECT_PASSWORD&quot;:&quot;Incorrect password.&quot;,&quot;PB_INTERACTION_SLIDE_WINDOW_TEXT&quot;:&quot;To advance to the next slide, complete this interaction.&quot;,&quot;PB_MESSAGE_BOX_NO&quot;:&quot;No&quot;,&quot;PB_MESSAGE_BOX_OK&quot;:&quot;OK&quot;,&quot;PB_MESSAGE_BOX_YES&quot;:&quot;Yes&quot;,&quot;PB_NAVIGATION_IS_RESTRICTED&quot;:&quot;You can only view slides in order.&quot;,&quot;PB_NAVIGATION_IS_SEQUENTIAL&quot;:&quot;You can only view slides in order.&quot;,&quot;PB_PLAYBACK_RATE_MENU_CAPTION&quot;:&quot;Speed&quot;,&quot;PB_PRECEDING_QUIZ_FAILED_WINDOW_TEXT&quot;:&quot;You haven't passed the quiz on slide %SLIDE_INDEX% and can't advance to the next slide.&quot;,&quot;PB_PRECEDING_QUIZ_NOT_COMPLETED_WINDOW_TEXT&quot;:&quot;To advance to this slide, complete the quiz on slide %SLIDE_INDEX%.&quot;,&quot;PB_PRECEDING_QUIZ_NOT_PASSED_WINDOW_TEXT&quot;:&quot;To advance to this slide, you need to pass the quiz on slide %SLIDE_INDEX%.&quot;,&quot;PB_PRECEDING_SCENARIO_FAILED_WINDOW_TEXT&quot;:&quot;You haven't passed the role-play on slide %SLIDE_INDEX% and can't advance to the next slide.&quot;,&quot;PB_PRECEDING_SCENARIO_NOT_COMPLETED_WINDOW_TEXT&quot;:&quot;To advance to this slide, complete the role-play on slide %SLIDE_INDEX%.&quot;,&quot;PB_PRECEDING_SCENARIO_NOT_PASSED_WINDOW_TEXT&quot;:&quot;To advance to this slide, you need to pass the role-play on slide %SLIDE_INDEX%.&quot;,&quot;PB_QUIZ_SLIDE_WINDOW_TEXT&quot;:&quot;To advance to the next slide, complete this quiz.&quot;,&quot;PB_RESTRICTION_MESSAGE_BOX_TITLE&quot;:&quot;Navigation is limited&quot;,&quot;PB_RESUME_PRESENTATION_WINDOW_TEXT&quot;:&quot;Do you want to resume where you left off?&quot;,&quot;PB_RESUME_PRESENTATION_WINDOW_TITLE&quot;:&quot;Resume Presentation&quot;,&quot;PB_SCENARIO_SLIDE_WINDOW_TEXT&quot;:&quot;To advance to the next slide, complete this role-play.&quot;,&quot;PB_SUBTITLES_MENU_CAPTION&quot;:&quot;Subtitles&quot;,&quot;PB_SUBTITLES_OFF&quot;:&quot;Off&quot;,&quot;PB_TIME_RESTRICTION&quot;:&quot;Sorry, the content author has prohibited viewing the presentation at this time.&quot;},&quot;playbackAndNavigationSettings&quot;:{&quot;autoStart&quot;:true,&quot;saveAnimationStates&quot;:true,&quot;loopPresentation&quot;:false,&quot;autoPlayAnimations&quot;:false,&quot;autoPlayAnimationsTime&quot;:1,&quot;navigationType&quot;:&quot;FREE&quot;,&quot;resumeMode&quot;:&quot;PROMPT&quot;,&quot;enableKeyboardNavigation&quot;:true},&quot;keyboardSettings&quot;:&quot;&quot;,&quot;skinVersion&quot;:2,&quot;skinCompatibleVersion&quot;:0,&quot;publishSettings&quot;:{&quot;backgroundColor&quot;:&quot;#DCDEE0&quot;,&quot;playerDimensions&quot;:{&quot;height&quot;:0,&quot;width&quot;:0},&quot;playerModule&quot;:&quot;NoneHtml&quot;,&quot;presentationContent&quot;:{&quot;resources&quot;:{&quot;attachments&quot;:false,&quot;fonts&quot;:[{&quot;charsets&quot;:{&quot;dynamicFormatted&quot;:[&quot;DCT_INTERACTIVITY_TEXT&quot;,&quot;DCT_INTERACTIVITY_SEMIBOLD_TEXT&quot;],&quot;dynamicPlain&quot;:[&quot;DCT_HYPERLINK_TOOLTIP&quot;],&quot;static&quot;:[&quot;Next&quot;,&quot;0123456789.,x&quot;,&quot;Speed&quot;,&quot;Yes&quot;,&quot;No&quot;,&quot;OK&quot;,&quot;Do you want to resume where you left off?&quot;,&quot;Complete the slide to go to the next one.&quot;,&quot;You can only view slides in order.&quot;,&quot;To advance to the next slide, complete this quiz.&quot;,&quot;To advance to this slide, you need to pass the quiz on slide %SLIDE_INDEX%.&quot;,&quot;To advance to this slide, complete the quiz on slide %SLIDE_INDEX%.&quot;,&quot;You haven't passed the quiz on slide %SLIDE_INDEX% and can't advance to the next slide.&quot;,&quot;To advance to the next slide, complete this interaction.&quot;,&quot;To advance to the next slide, complete this role-play.&quot;,&quot;To advance to this slide, you need to pass the role-play on slide %SLIDE_INDEX%.&quot;,&quot;To advance to this slide, complete the role-play on slide %SLIDE_INDEX%.&quot;,&quot;You haven't passed the role-play on slide %SLIDE_INDEX% and can't advance to the next slide.&quot;,&quot;Enter the password to view this presentation.&quot;,&quot;Incorrect password.&quot;,&quot;Sorry, the content author has prohibited sharing the presentation on this domain.&quot;,&quot;Sorry, the content author has prohibited viewing the presentation at this time.&quot;,&quot;Go back&quot;]},&quot;embedName&quot;:&quot;nPFn&quot;,&quot;fontFamily&quot;:&quot;Arial&quot;,&quot;isBold&quot;:false,&quot;isItalic&quot;:false,&quot;isSemibold&quot;:false,&quot;substituteFontFamily&quot;:&quot;Arial&quot;},{&quot;charsets&quot;:{&quot;dynamicFormatted&quot;:[&quot;DCT_INTERACTIVITY_TEXT&quot;,&quot;DCT_INTERACTIVITY_SEMIBOLD_TEXT&quot;],&quot;dynamicPlain&quot;:[&quot;DCT_HYPERLINK_TOOLTIP&quot;],&quot;static&quot;:[&quot;Next&quot;,&quot;0123456789.,x&quot;,&quot;Speed&quot;,&quot;Yes&quot;,&quot;No&quot;,&quot;OK&quot;,&quot;Do you want to resume where you left off?&quot;,&quot;Complete the slide to go to the next one.&quot;,&quot;You can only view slides in order.&quot;,&quot;To advance to the next slide, complete this quiz.&quot;,&quot;To advance to this slide, you need to pass the quiz on slide %SLIDE_INDEX%.&quot;,&quot;To advance to this slide, complete the quiz on slide %SLIDE_INDEX%.&quot;,&quot;You haven't passed the quiz on slide %SLIDE_INDEX% and can't advance to the next slide.&quot;,&quot;To advance to the next slide, complete this interaction.&quot;,&quot;To advance to the next slide, complete this role-play.&quot;,&quot;To advance to this slide, you need to pass the role-play on slide %SLIDE_INDEX%.&quot;,&quot;To advance to this slide, complete the role-play on slide %SLIDE_INDEX%.&quot;,&quot;You haven't passed the role-play on slide %SLIDE_INDEX% and can't advance to the next slide.&quot;,&quot;Enter the password to view this presentation.&quot;,&quot;Incorrect password.&quot;,&quot;Sorry, the content author has prohibited sharing the presentation on this domain.&quot;,&quot;Sorry, the content author has prohibited viewing the presentation at this time.&quot;,&quot;Go back&quot;]},&quot;embedName&quot;:&quot;nPFnb&quot;,&quot;fontFamily&quot;:&quot;Arial&quot;,&quot;isBold&quot;:true,&quot;isItalic&quot;:false,&quot;isSemibold&quot;:false,&quot;substituteFontFamily&quot;:&quot;Arial&quot;},{&quot;charsets&quot;:{&quot;dynamicFormatted&quot;:[&quot;DCT_INTERACTIVITY_TEXT&quot;,&quot;DCT_INTERACTIVITY_SEMIBOLD_TEXT&quot;],&quot;dynamicPlain&quot;:[&quot;DCT_HYPERLINK_TOOLTIP&quot;],&quot;static&quot;:[&quot;Next&quot;,&quot;0123456789.,x&quot;,&quot;Speed&quot;,&quot;Yes&quot;,&quot;No&quot;,&quot;OK&quot;,&quot;Do you want to resume where you left off?&quot;,&quot;Complete the slide to go to the next one.&quot;,&quot;You can only view slides in order.&quot;,&quot;To advance to the next slide, complete this quiz.&quot;,&quot;To advance to this slide, you need to pass the quiz on slide %SLIDE_INDEX%.&quot;,&quot;To advance to this slide, complete the quiz on slide %SLIDE_INDEX%.&quot;,&quot;You haven't passed the quiz on slide %SLIDE_INDEX% and can't advance to the next slide.&quot;,&quot;To advance to the next slide, complete this interaction.&quot;,&quot;To advance to the next slide, complete this role-play.&quot;,&quot;To advance to this slide, you need to pass the role-play on slide %SLIDE_INDEX%.&quot;,&quot;To advance to this slide, complete the role-play on slide %SLIDE_INDEX%.&quot;,&quot;You haven't passed the role-play on slide %SLIDE_INDEX% and can't advance to the next slide.&quot;,&quot;Enter the password to view this presentation.&quot;,&quot;Incorrect password.&quot;,&quot;Sorry, the content author has prohibited sharing the presentation on this domain.&quot;,&quot;Sorry, the content author has prohibited viewing the presentation at this time.&quot;,&quot;Go back&quot;]},&quot;embedName&quot;:&quot;nPFni&quot;,&quot;fontFamily&quot;:&quot;Arial&quot;,&quot;isBold&quot;:false,&quot;isItalic&quot;:true,&quot;isSemibold&quot;:false,&quot;substituteFontFamily&quot;:&quot;Arial&quot;},{&quot;charsets&quot;:{&quot;dynamicFormatted&quot;:[&quot;DCT_INTERACTIVITY_TEXT&quot;,&quot;DCT_INTERACTIVITY_SEMIBOLD_TEXT&quot;],&quot;dynamicPlain&quot;:[&quot;DCT_HYPERLINK_TOOLTIP&quot;],&quot;static&quot;:[&quot;Next&quot;,&quot;0123456789.,x&quot;,&quot;Speed&quot;,&quot;Yes&quot;,&quot;No&quot;,&quot;OK&quot;,&quot;Do you want to resume where you left off?&quot;,&quot;Complete the slide to go to the next one.&quot;,&quot;You can only view slides in order.&quot;,&quot;To advance to the next slide, complete this quiz.&quot;,&quot;To advance to this slide, you need to pass the quiz on slide %SLIDE_INDEX%.&quot;,&quot;To advance to this slide, complete the quiz on slide %SLIDE_INDEX%.&quot;,&quot;You haven't passed the quiz on slide %SLIDE_INDEX% and can't advance to the next slide.&quot;,&quot;To advance to the next slide, complete this interaction.&quot;,&quot;To advance to the next slide, complete this role-play.&quot;,&quot;To advance to this slide, you need to pass the role-play on slide %SLIDE_INDEX%.&quot;,&quot;To advance to this slide, complete the role-play on slide %SLIDE_INDEX%.&quot;,&quot;You haven't passed the role-play on slide %SLIDE_INDEX% and can't advance to the next slide.&quot;,&quot;Enter the password to view this presentation.&quot;,&quot;Incorrect password.&quot;,&quot;Sorry, the content author has prohibited sharing the presentation on this domain.&quot;,&quot;Sorry, the content author has prohibited viewing the presentation at this time.&quot;,&quot;Go back&quot;]},&quot;embedName&quot;:&quot;nPFnbi&quot;,&quot;fontFamily&quot;:&quot;Arial&quot;,&quot;isBold&quot;:true,&quot;isItalic&quot;:true,&quot;isSemibold&quot;:false,&quot;substituteFontFamily&quot;:&quot;Arial&quot;},{&quot;charsets&quot;:{&quot;dynamicFormatted&quot;:[&quot;DCT_INTERACTIVITY_TEXT&quot;,&quot;DCT_INTERACTIVITY_SEMIBOLD_TEXT&quot;],&quot;dynamicPlain&quot;:[&quot;DCT_HYPERLINK_TOOLTIP&quot;],&quot;static&quot;:[&quot;Next&quot;,&quot;0123456789.,x&quot;,&quot;Speed&quot;,&quot;Yes&quot;,&quot;No&quot;,&quot;OK&quot;,&quot;Do you want to resume where you left off?&quot;,&quot;Complete the slide to go to the next one.&quot;,&quot;You can only view slides in order.&quot;,&quot;To advance to the next slide, complete this quiz.&quot;,&quot;To advance to this slide, you need to pass the quiz on slide %SLIDE_INDEX%.&quot;,&quot;To advance to this slide, complete the quiz on slide %SLIDE_INDEX%.&quot;,&quot;You haven't passed the quiz on slide %SLIDE_INDEX% and can't advance to the next slide.&quot;,&quot;To advance to the next slide, complete this interaction.&quot;,&quot;To advance to the next slide, complete this role-play.&quot;,&quot;To advance to this slide, you need to pass the role-play on slide %SLIDE_INDEX%.&quot;,&quot;To advance to this slide, complete the role-play on slide %SLIDE_INDEX%.&quot;,&quot;You haven't passed the role-play on slide %SLIDE_INDEX% and can't advance to the next slide.&quot;,&quot;Enter the password to view this presentation.&quot;,&quot;Incorrect password.&quot;,&quot;Sorry, the content author has prohibited sharing the presentation on this domain.&quot;,&quot;Sorry, the content author has prohibited viewing the presentation at this time.&quot;,&quot;Go back&quot;]},&quot;embedName&quot;:&quot;nPFnsb&quot;,&quot;fontFamily&quot;:&quot;Arial&quot;,&quot;isBold&quot;:false,&quot;isItalic&quot;:false,&quot;isSemibold&quot;:true,&quot;substituteFontFamily&quot;:&quot;Arial&quot;},{&quot;charsets&quot;:{&quot;dynamicFormatted&quot;:[&quot;DCT_INTERACTIVITY_TEXT&quot;,&quot;DCT_INTERACTIVITY_SEMIBOLD_TEXT&quot;],&quot;dynamicPlain&quot;:[&quot;DCT_HYPERLINK_TOOLTIP&quot;],&quot;static&quot;:[&quot;Next&quot;,&quot;0123456789.,x&quot;,&quot;Speed&quot;,&quot;Yes&quot;,&quot;No&quot;,&quot;OK&quot;,&quot;Do you want to resume where you left off?&quot;,&quot;Complete the slide to go to the next one.&quot;,&quot;You can only view slides in order.&quot;,&quot;To advance to the next slide, complete this quiz.&quot;,&quot;To advance to this slide, you need to pass the quiz on slide %SLIDE_INDEX%.&quot;,&quot;To advance to this slide, complete the quiz on slide %SLIDE_INDEX%.&quot;,&quot;You haven't passed the quiz on slide %SLIDE_INDEX% and can't advance to the next slide.&quot;,&quot;To advance to the next slide, complete this interaction.&quot;,&quot;To advance to the next slide, complete this role-play.&quot;,&quot;To advance to this slide, you need to pass the role-play on slide %SLIDE_INDEX%.&quot;,&quot;To advance to this slide, complete the role-play on slide %SLIDE_INDEX%.&quot;,&quot;You haven't passed the role-play on slide %SLIDE_INDEX% and can't advance to the next slide.&quot;,&quot;Enter the password to view this presentation.&quot;,&quot;Incorrect password.&quot;,&quot;Sorry, the content author has prohibited sharing the presentation on this domain.&quot;,&quot;Sorry, the content author has prohibited viewing the presentation at this time.&quot;,&quot;Go back&quot;]},&quot;embedName&quot;:&quot;nPFnsbi&quot;,&quot;fontFamily&quot;:&quot;Arial&quot;,&quot;isBold&quot;:false,&quot;isItalic&quot;:true,&quot;isSemibold&quot;:true,&quot;substituteFontFamily&quot;:&quot;Arial&quot;}],&quot;interactivity&quot;:{&quot;fullSupport&quot;:true}}}},&quot;ceipData&quot;:{&quot;playerMessages&quot;:&quot;builtin.en&quot;,&quot;playerNavigationAcceleration&quot;:true,&quot;playerNavigationAutoStart&quot;:true,&quot;playerNavigationEnableKeyboardNavigation&quot;:true,&quot;playerNavigationOnRestart&quot;:&quot;prompt&quot;,&quot;playerNavigationSaveAnimationStates&quot;:true,&quot;playerNavigationType&quot;:&quot;free&quot;,&quot;playerTheme&quot;:&quot;builtin.lightBlue&quot;,&quot;playerThemeBorderRadius&quot;:10,&quot;playerThemeColorScheme&quot;:&quot;builtin.lightBlue&quot;,&quot;playerThemeFont&quot;:&quot;Arial&quot;}}}"/>
+  <p:tag name="ISPRING_OUTPUT_FOLDER" val="[[&quot;\uFFFD\uFFFDzV{57C549E0-46E2-4BE2-A8C6-FFFABDEA4AE1}&quot;,&quot;C:\\Users\\hp\\Desktop\\Projects\\Nabad\\Nabad\\safeguarding\\en\\lessons&quot;],[&quot;N\uFFFD\u0018\u0012{FE710B7D-E998-49F5-8687-981FF794AE92}&quot;,&quot;C:\\Users\\pc\\Desktop\\Nabad\\safeguarding\\en\\lessons&quot;]]"/>
+  <p:tag name="ISPRING_RESOURCE_FOLDER" val="C:\Users\hp\Desktop\Projects\Nabad\Nabad\safeguarding\en\lessons\dealing_disclosure"/>
+  <p:tag name="ISPRING_PRESENTATION_PATH" val="C:\Users\hp\Desktop\Projects\Nabad\Nabad\safeguarding\en\lessons\dealing_disclosure.pptx"/>
+  <p:tag name="ISPRING_SCREEN_RECS_UPDATED" val="C:\Users\hp\Desktop\Projects\Nabad\Nabad\safeguarding\en\lessons\dealing_disclosure"/>
   <p:tag name="ISPRING_SCORM_ENDPOINT" val="&lt;endpoint&gt;&lt;enable&gt;0&lt;/enable&gt;&lt;lrs&gt;https://&lt;/lrs&gt;&lt;auth&gt;0&lt;/auth&gt;&lt;login&gt;&lt;/login&gt;&lt;password&gt;&lt;/password&gt;&lt;key&gt;&lt;/key&gt;&lt;name&gt;&lt;/name&gt;&lt;email&gt;&lt;/email&gt;&lt;/endpoint&gt;&#10;"/>
-  <p:tag name="ISPRING_OUTPUT_FOLDER" val="[[&quot;\uFFFD\uFFFDzV{57C549E0-46E2-4BE2-A8C6-FFFABDEA4AE1}&quot;,&quot;C:\\Users\\hp\\Desktop\\Projects\\Nabad\\Nabad\\safeguarding\\en\\lessons&quot;],[&quot;N\uFFFD\u0018\u0012{FE710B7D-E998-49F5-8687-981FF794AE92}&quot;,&quot;C:\\Users\\pc\\Desktop\\Nabad\\safeguarding\\en\\lessons&quot;]]"/>
 </p:tagLst>
 </file>
 
@@ -4327,9 +4384,9 @@
   <p:tag name="ISPRING_SLIDE_QUIZ_PROPERTIES" val="&lt;QuizProperties&gt;&lt;passAction&gt;&lt;action&gt;3&lt;/action&gt;&lt;/passAction&gt;&lt;failAction&gt;&lt;action&gt;3&lt;/action&gt;&lt;/failAction&gt;&lt;viewSlidesPolicy&gt;0&lt;/viewSlidesPolicy&gt;&lt;allowInterrupt&gt;1&lt;/allowInterrupt&gt;&lt;restartFailedQuiz&gt;0&lt;/restartFailedQuiz&gt;&lt;/QuizProperties&gt;&#10;"/>
   <p:tag name="ISPRING_QUIZ_SHAPES_ADDED" val="1"/>
   <p:tag name="ISPRING_RESOURCE_QUIZ" val="quiz1.quiz"/>
-  <p:tag name="ISPRING_QUIZ_FULL_PATH" val="C:\Users\pc\Desktop\Nabad\safeguarding\en\lessons\dealing_disclosure\quiz\quiz1.quiz"/>
   <p:tag name="ISPRING_QUIZ_RELATIVE_PATH" val="dealing_disclosure\quiz\quiz1.quiz"/>
   <p:tag name="GENSWF_SLIDE_UID" val="{8AC772EA-B9D2-4952-BD25-1A69085FCE8E}:355"/>
+  <p:tag name="ISPRING_QUIZ_FULL_PATH" val="C:\Users\hp\Desktop\Projects\Nabad\Nabad\safeguarding\en\lessons\dealing_disclosure\quiz\quiz1.quiz"/>
 </p:tagLst>
 </file>
 
